--- a/data/AI_업무_플랫폼_ UiPath_영업전략_김민상.pptx
+++ b/data/AI_업무_플랫폼_ UiPath_영업전략_김민상.pptx
@@ -21,7 +21,8 @@
     <p:sldId id="268" r:id="rId15"/>
     <p:sldId id="269" r:id="rId16"/>
     <p:sldId id="259" r:id="rId17"/>
-    <p:sldId id="271" r:id="rId18"/>
+    <p:sldId id="274" r:id="rId18"/>
+    <p:sldId id="271" r:id="rId19"/>
   </p:sldIdLst>
   <p:sldSz cx="12192000" cy="6858000"/>
   <p:notesSz cx="6858000" cy="9144000"/>
@@ -259,7 +260,7 @@
           <a:p>
             <a:fld id="{7067AB3F-8E1A-44D9-B0D3-93AE0F408968}" type="datetimeFigureOut">
               <a:rPr lang="ko-KR" altLang="en-US" smtClean="0"/>
-              <a:t>2021-12-20</a:t>
+              <a:t>2021-12-21</a:t>
             </a:fld>
             <a:endParaRPr lang="ko-KR" altLang="en-US"/>
           </a:p>
@@ -429,7 +430,7 @@
           <a:p>
             <a:fld id="{7067AB3F-8E1A-44D9-B0D3-93AE0F408968}" type="datetimeFigureOut">
               <a:rPr lang="ko-KR" altLang="en-US" smtClean="0"/>
-              <a:t>2021-12-20</a:t>
+              <a:t>2021-12-21</a:t>
             </a:fld>
             <a:endParaRPr lang="ko-KR" altLang="en-US"/>
           </a:p>
@@ -609,7 +610,7 @@
           <a:p>
             <a:fld id="{7067AB3F-8E1A-44D9-B0D3-93AE0F408968}" type="datetimeFigureOut">
               <a:rPr lang="ko-KR" altLang="en-US" smtClean="0"/>
-              <a:t>2021-12-20</a:t>
+              <a:t>2021-12-21</a:t>
             </a:fld>
             <a:endParaRPr lang="ko-KR" altLang="en-US"/>
           </a:p>
@@ -779,7 +780,7 @@
           <a:p>
             <a:fld id="{7067AB3F-8E1A-44D9-B0D3-93AE0F408968}" type="datetimeFigureOut">
               <a:rPr lang="ko-KR" altLang="en-US" smtClean="0"/>
-              <a:t>2021-12-20</a:t>
+              <a:t>2021-12-21</a:t>
             </a:fld>
             <a:endParaRPr lang="ko-KR" altLang="en-US"/>
           </a:p>
@@ -1025,7 +1026,7 @@
           <a:p>
             <a:fld id="{7067AB3F-8E1A-44D9-B0D3-93AE0F408968}" type="datetimeFigureOut">
               <a:rPr lang="ko-KR" altLang="en-US" smtClean="0"/>
-              <a:t>2021-12-20</a:t>
+              <a:t>2021-12-21</a:t>
             </a:fld>
             <a:endParaRPr lang="ko-KR" altLang="en-US"/>
           </a:p>
@@ -1257,7 +1258,7 @@
           <a:p>
             <a:fld id="{7067AB3F-8E1A-44D9-B0D3-93AE0F408968}" type="datetimeFigureOut">
               <a:rPr lang="ko-KR" altLang="en-US" smtClean="0"/>
-              <a:t>2021-12-20</a:t>
+              <a:t>2021-12-21</a:t>
             </a:fld>
             <a:endParaRPr lang="ko-KR" altLang="en-US"/>
           </a:p>
@@ -1624,7 +1625,7 @@
           <a:p>
             <a:fld id="{7067AB3F-8E1A-44D9-B0D3-93AE0F408968}" type="datetimeFigureOut">
               <a:rPr lang="ko-KR" altLang="en-US" smtClean="0"/>
-              <a:t>2021-12-20</a:t>
+              <a:t>2021-12-21</a:t>
             </a:fld>
             <a:endParaRPr lang="ko-KR" altLang="en-US"/>
           </a:p>
@@ -1742,7 +1743,7 @@
           <a:p>
             <a:fld id="{7067AB3F-8E1A-44D9-B0D3-93AE0F408968}" type="datetimeFigureOut">
               <a:rPr lang="ko-KR" altLang="en-US" smtClean="0"/>
-              <a:t>2021-12-20</a:t>
+              <a:t>2021-12-21</a:t>
             </a:fld>
             <a:endParaRPr lang="ko-KR" altLang="en-US"/>
           </a:p>
@@ -1837,7 +1838,7 @@
           <a:p>
             <a:fld id="{7067AB3F-8E1A-44D9-B0D3-93AE0F408968}" type="datetimeFigureOut">
               <a:rPr lang="ko-KR" altLang="en-US" smtClean="0"/>
-              <a:t>2021-12-20</a:t>
+              <a:t>2021-12-21</a:t>
             </a:fld>
             <a:endParaRPr lang="ko-KR" altLang="en-US"/>
           </a:p>
@@ -2114,7 +2115,7 @@
           <a:p>
             <a:fld id="{7067AB3F-8E1A-44D9-B0D3-93AE0F408968}" type="datetimeFigureOut">
               <a:rPr lang="ko-KR" altLang="en-US" smtClean="0"/>
-              <a:t>2021-12-20</a:t>
+              <a:t>2021-12-21</a:t>
             </a:fld>
             <a:endParaRPr lang="ko-KR" altLang="en-US"/>
           </a:p>
@@ -2367,7 +2368,7 @@
           <a:p>
             <a:fld id="{7067AB3F-8E1A-44D9-B0D3-93AE0F408968}" type="datetimeFigureOut">
               <a:rPr lang="ko-KR" altLang="en-US" smtClean="0"/>
-              <a:t>2021-12-20</a:t>
+              <a:t>2021-12-21</a:t>
             </a:fld>
             <a:endParaRPr lang="ko-KR" altLang="en-US"/>
           </a:p>
@@ -2580,7 +2581,7 @@
           <a:p>
             <a:fld id="{7067AB3F-8E1A-44D9-B0D3-93AE0F408968}" type="datetimeFigureOut">
               <a:rPr lang="ko-KR" altLang="en-US" smtClean="0"/>
-              <a:t>2021-12-20</a:t>
+              <a:t>2021-12-21</a:t>
             </a:fld>
             <a:endParaRPr lang="ko-KR" altLang="en-US"/>
           </a:p>
@@ -8917,6 +8918,1338 @@
       </p:grpSpPr>
       <p:sp>
         <p:nvSpPr>
+          <p:cNvPr id="6" name="직사각형 5"/>
+          <p:cNvSpPr/>
+          <p:nvPr/>
+        </p:nvSpPr>
+        <p:spPr>
+          <a:xfrm>
+            <a:off x="0" y="294640"/>
+            <a:ext cx="12192000" cy="731520"/>
+          </a:xfrm>
+          <a:prstGeom prst="rect">
+            <a:avLst/>
+          </a:prstGeom>
+          <a:solidFill>
+            <a:schemeClr val="bg1">
+              <a:lumMod val="95000"/>
+            </a:schemeClr>
+          </a:solidFill>
+          <a:ln>
+            <a:noFill/>
+          </a:ln>
+        </p:spPr>
+        <p:style>
+          <a:lnRef idx="2">
+            <a:schemeClr val="accent1">
+              <a:shade val="50000"/>
+            </a:schemeClr>
+          </a:lnRef>
+          <a:fillRef idx="1">
+            <a:schemeClr val="accent1"/>
+          </a:fillRef>
+          <a:effectRef idx="0">
+            <a:schemeClr val="accent1"/>
+          </a:effectRef>
+          <a:fontRef idx="minor">
+            <a:schemeClr val="lt1"/>
+          </a:fontRef>
+        </p:style>
+        <p:txBody>
+          <a:bodyPr rtlCol="0" anchor="ctr"/>
+          <a:lstStyle/>
+          <a:p>
+            <a:pPr algn="ctr"/>
+            <a:endParaRPr lang="ko-KR" altLang="en-US"/>
+          </a:p>
+        </p:txBody>
+      </p:sp>
+      <p:pic>
+        <p:nvPicPr>
+          <p:cNvPr id="7" name="그림 6"/>
+          <p:cNvPicPr>
+            <a:picLocks noChangeAspect="1"/>
+          </p:cNvPicPr>
+          <p:nvPr/>
+        </p:nvPicPr>
+        <p:blipFill rotWithShape="1">
+          <a:blip r:embed="rId2" cstate="print">
+            <a:extLst>
+              <a:ext uri="{28A0092B-C50C-407E-A947-70E740481C1C}">
+                <a14:useLocalDpi xmlns:a14="http://schemas.microsoft.com/office/drawing/2010/main" val="0"/>
+              </a:ext>
+            </a:extLst>
+          </a:blip>
+          <a:srcRect l="16662" t="22207" r="16547" b="25072"/>
+          <a:stretch/>
+        </p:blipFill>
+        <p:spPr>
+          <a:xfrm>
+            <a:off x="10414000" y="355142"/>
+            <a:ext cx="1473200" cy="610515"/>
+          </a:xfrm>
+          <a:prstGeom prst="rect">
+            <a:avLst/>
+          </a:prstGeom>
+        </p:spPr>
+      </p:pic>
+      <p:sp>
+        <p:nvSpPr>
+          <p:cNvPr id="8" name="직사각형 7"/>
+          <p:cNvSpPr/>
+          <p:nvPr/>
+        </p:nvSpPr>
+        <p:spPr>
+          <a:xfrm>
+            <a:off x="477520" y="406858"/>
+            <a:ext cx="6880812" cy="558799"/>
+          </a:xfrm>
+          <a:prstGeom prst="rect">
+            <a:avLst/>
+          </a:prstGeom>
+          <a:solidFill>
+            <a:schemeClr val="bg1">
+              <a:lumMod val="95000"/>
+              <a:alpha val="0"/>
+            </a:schemeClr>
+          </a:solidFill>
+          <a:ln>
+            <a:noFill/>
+          </a:ln>
+        </p:spPr>
+        <p:style>
+          <a:lnRef idx="2">
+            <a:schemeClr val="accent1">
+              <a:shade val="50000"/>
+            </a:schemeClr>
+          </a:lnRef>
+          <a:fillRef idx="1">
+            <a:schemeClr val="accent1"/>
+          </a:fillRef>
+          <a:effectRef idx="0">
+            <a:schemeClr val="accent1"/>
+          </a:effectRef>
+          <a:fontRef idx="minor">
+            <a:schemeClr val="lt1"/>
+          </a:fontRef>
+        </p:style>
+        <p:txBody>
+          <a:bodyPr rtlCol="0" anchor="ctr"/>
+          <a:lstStyle/>
+          <a:p>
+            <a:r>
+              <a:rPr lang="en-US" altLang="ko-KR" sz="2400" dirty="0" err="1" smtClean="0">
+                <a:solidFill>
+                  <a:schemeClr val="bg2">
+                    <a:lumMod val="50000"/>
+                  </a:schemeClr>
+                </a:solidFill>
+                <a:latin typeface="나눔고딕 ExtraBold" panose="020D0904000000000000" pitchFamily="50" charset="-127"/>
+                <a:ea typeface="나눔고딕 ExtraBold" panose="020D0904000000000000" pitchFamily="50" charset="-127"/>
+              </a:rPr>
+              <a:t>Uipath</a:t>
+            </a:r>
+            <a:r>
+              <a:rPr lang="en-US" altLang="ko-KR" sz="2400" dirty="0" smtClean="0">
+                <a:solidFill>
+                  <a:schemeClr val="bg2">
+                    <a:lumMod val="50000"/>
+                  </a:schemeClr>
+                </a:solidFill>
+                <a:latin typeface="나눔고딕 ExtraBold" panose="020D0904000000000000" pitchFamily="50" charset="-127"/>
+                <a:ea typeface="나눔고딕 ExtraBold" panose="020D0904000000000000" pitchFamily="50" charset="-127"/>
+              </a:rPr>
+              <a:t> SWOT</a:t>
+            </a:r>
+            <a:endParaRPr lang="ko-KR" altLang="en-US" sz="2400" dirty="0">
+              <a:solidFill>
+                <a:schemeClr val="bg2">
+                  <a:lumMod val="50000"/>
+                </a:schemeClr>
+              </a:solidFill>
+              <a:latin typeface="나눔고딕 ExtraBold" panose="020D0904000000000000" pitchFamily="50" charset="-127"/>
+              <a:ea typeface="나눔고딕 ExtraBold" panose="020D0904000000000000" pitchFamily="50" charset="-127"/>
+            </a:endParaRPr>
+          </a:p>
+        </p:txBody>
+      </p:sp>
+      <p:grpSp>
+        <p:nvGrpSpPr>
+          <p:cNvPr id="9" name="그룹 8"/>
+          <p:cNvGrpSpPr/>
+          <p:nvPr/>
+        </p:nvGrpSpPr>
+        <p:grpSpPr>
+          <a:xfrm>
+            <a:off x="3411241" y="2008193"/>
+            <a:ext cx="5409709" cy="3761118"/>
+            <a:chOff x="2931199" y="1807233"/>
+            <a:chExt cx="5409709" cy="3761118"/>
+          </a:xfrm>
+        </p:grpSpPr>
+        <p:sp>
+          <p:nvSpPr>
+            <p:cNvPr id="2" name="직사각형 1"/>
+            <p:cNvSpPr/>
+            <p:nvPr/>
+          </p:nvSpPr>
+          <p:spPr>
+            <a:xfrm>
+              <a:off x="2931199" y="1807233"/>
+              <a:ext cx="2708694" cy="1880559"/>
+            </a:xfrm>
+            <a:prstGeom prst="rect">
+              <a:avLst/>
+            </a:prstGeom>
+            <a:solidFill>
+              <a:srgbClr val="E96848"/>
+            </a:solidFill>
+            <a:ln>
+              <a:noFill/>
+            </a:ln>
+          </p:spPr>
+          <p:style>
+            <a:lnRef idx="2">
+              <a:schemeClr val="accent1">
+                <a:shade val="50000"/>
+              </a:schemeClr>
+            </a:lnRef>
+            <a:fillRef idx="1">
+              <a:schemeClr val="accent1"/>
+            </a:fillRef>
+            <a:effectRef idx="0">
+              <a:schemeClr val="accent1"/>
+            </a:effectRef>
+            <a:fontRef idx="minor">
+              <a:schemeClr val="lt1"/>
+            </a:fontRef>
+          </p:style>
+          <p:txBody>
+            <a:bodyPr rtlCol="0" anchor="ctr"/>
+            <a:lstStyle/>
+            <a:p>
+              <a:pPr algn="ctr"/>
+              <a:endParaRPr lang="ko-KR" altLang="en-US"/>
+            </a:p>
+          </p:txBody>
+        </p:sp>
+        <p:sp>
+          <p:nvSpPr>
+            <p:cNvPr id="10" name="직사각형 9"/>
+            <p:cNvSpPr/>
+            <p:nvPr/>
+          </p:nvSpPr>
+          <p:spPr>
+            <a:xfrm>
+              <a:off x="5629845" y="1807233"/>
+              <a:ext cx="2708694" cy="1880559"/>
+            </a:xfrm>
+            <a:prstGeom prst="rect">
+              <a:avLst/>
+            </a:prstGeom>
+            <a:solidFill>
+              <a:srgbClr val="77BE44"/>
+            </a:solidFill>
+            <a:ln>
+              <a:noFill/>
+            </a:ln>
+          </p:spPr>
+          <p:style>
+            <a:lnRef idx="2">
+              <a:schemeClr val="accent1">
+                <a:shade val="50000"/>
+              </a:schemeClr>
+            </a:lnRef>
+            <a:fillRef idx="1">
+              <a:schemeClr val="accent1"/>
+            </a:fillRef>
+            <a:effectRef idx="0">
+              <a:schemeClr val="accent1"/>
+            </a:effectRef>
+            <a:fontRef idx="minor">
+              <a:schemeClr val="lt1"/>
+            </a:fontRef>
+          </p:style>
+          <p:txBody>
+            <a:bodyPr rtlCol="0" anchor="ctr"/>
+            <a:lstStyle/>
+            <a:p>
+              <a:pPr algn="ctr"/>
+              <a:endParaRPr lang="ko-KR" altLang="en-US"/>
+            </a:p>
+          </p:txBody>
+        </p:sp>
+        <p:sp>
+          <p:nvSpPr>
+            <p:cNvPr id="11" name="직사각형 10"/>
+            <p:cNvSpPr/>
+            <p:nvPr/>
+          </p:nvSpPr>
+          <p:spPr>
+            <a:xfrm>
+              <a:off x="2931199" y="3687792"/>
+              <a:ext cx="2708694" cy="1880559"/>
+            </a:xfrm>
+            <a:prstGeom prst="rect">
+              <a:avLst/>
+            </a:prstGeom>
+            <a:solidFill>
+              <a:srgbClr val="288DC1"/>
+            </a:solidFill>
+            <a:ln>
+              <a:noFill/>
+            </a:ln>
+          </p:spPr>
+          <p:style>
+            <a:lnRef idx="2">
+              <a:schemeClr val="accent1">
+                <a:shade val="50000"/>
+              </a:schemeClr>
+            </a:lnRef>
+            <a:fillRef idx="1">
+              <a:schemeClr val="accent1"/>
+            </a:fillRef>
+            <a:effectRef idx="0">
+              <a:schemeClr val="accent1"/>
+            </a:effectRef>
+            <a:fontRef idx="minor">
+              <a:schemeClr val="lt1"/>
+            </a:fontRef>
+          </p:style>
+          <p:txBody>
+            <a:bodyPr rtlCol="0" anchor="ctr"/>
+            <a:lstStyle/>
+            <a:p>
+              <a:pPr algn="ctr"/>
+              <a:endParaRPr lang="ko-KR" altLang="en-US"/>
+            </a:p>
+          </p:txBody>
+        </p:sp>
+        <p:sp>
+          <p:nvSpPr>
+            <p:cNvPr id="12" name="직사각형 11"/>
+            <p:cNvSpPr/>
+            <p:nvPr/>
+          </p:nvSpPr>
+          <p:spPr>
+            <a:xfrm>
+              <a:off x="5632214" y="3687792"/>
+              <a:ext cx="2708694" cy="1880559"/>
+            </a:xfrm>
+            <a:prstGeom prst="rect">
+              <a:avLst/>
+            </a:prstGeom>
+            <a:solidFill>
+              <a:srgbClr val="646A69"/>
+            </a:solidFill>
+            <a:ln>
+              <a:noFill/>
+            </a:ln>
+          </p:spPr>
+          <p:style>
+            <a:lnRef idx="2">
+              <a:schemeClr val="accent1">
+                <a:shade val="50000"/>
+              </a:schemeClr>
+            </a:lnRef>
+            <a:fillRef idx="1">
+              <a:schemeClr val="accent1"/>
+            </a:fillRef>
+            <a:effectRef idx="0">
+              <a:schemeClr val="accent1"/>
+            </a:effectRef>
+            <a:fontRef idx="minor">
+              <a:schemeClr val="lt1"/>
+            </a:fontRef>
+          </p:style>
+          <p:txBody>
+            <a:bodyPr rtlCol="0" anchor="ctr"/>
+            <a:lstStyle/>
+            <a:p>
+              <a:pPr algn="ctr"/>
+              <a:endParaRPr lang="ko-KR" altLang="en-US"/>
+            </a:p>
+          </p:txBody>
+        </p:sp>
+        <p:pic>
+          <p:nvPicPr>
+            <p:cNvPr id="1026" name="Picture 2" descr="SWOT분석 개념과 장단점 분석 및 글로벌기업들의 SWOT분석 사례분석 및 나자신에대한 SWOT분석 - 경제경영"/>
+            <p:cNvPicPr>
+              <a:picLocks noChangeAspect="1" noChangeArrowheads="1"/>
+            </p:cNvPicPr>
+            <p:nvPr/>
+          </p:nvPicPr>
+          <p:blipFill rotWithShape="1">
+            <a:blip r:embed="rId3">
+              <a:extLst>
+                <a:ext uri="{28A0092B-C50C-407E-A947-70E740481C1C}">
+                  <a14:useLocalDpi xmlns:a14="http://schemas.microsoft.com/office/drawing/2010/main" val="0"/>
+                </a:ext>
+              </a:extLst>
+            </a:blip>
+            <a:srcRect l="17507" t="24568" r="17514" b="37718"/>
+            <a:stretch/>
+          </p:blipFill>
+          <p:spPr bwMode="auto">
+            <a:xfrm>
+              <a:off x="4859895" y="3053751"/>
+              <a:ext cx="1544756" cy="1268082"/>
+            </a:xfrm>
+            <a:prstGeom prst="rect">
+              <a:avLst/>
+            </a:prstGeom>
+            <a:noFill/>
+            <a:extLst>
+              <a:ext uri="{909E8E84-426E-40DD-AFC4-6F175D3DCCD1}">
+                <a14:hiddenFill xmlns:a14="http://schemas.microsoft.com/office/drawing/2010/main">
+                  <a:solidFill>
+                    <a:srgbClr val="FFFFFF"/>
+                  </a:solidFill>
+                </a14:hiddenFill>
+              </a:ext>
+            </a:extLst>
+          </p:spPr>
+        </p:pic>
+      </p:grpSp>
+      <p:sp>
+        <p:nvSpPr>
+          <p:cNvPr id="14" name="직사각형 13"/>
+          <p:cNvSpPr/>
+          <p:nvPr/>
+        </p:nvSpPr>
+        <p:spPr>
+          <a:xfrm>
+            <a:off x="3411241" y="2175568"/>
+            <a:ext cx="2708695" cy="1396163"/>
+          </a:xfrm>
+          <a:prstGeom prst="rect">
+            <a:avLst/>
+          </a:prstGeom>
+          <a:solidFill>
+            <a:schemeClr val="bg1">
+              <a:lumMod val="95000"/>
+              <a:alpha val="0"/>
+            </a:schemeClr>
+          </a:solidFill>
+          <a:ln>
+            <a:noFill/>
+          </a:ln>
+        </p:spPr>
+        <p:style>
+          <a:lnRef idx="2">
+            <a:schemeClr val="accent1">
+              <a:shade val="50000"/>
+            </a:schemeClr>
+          </a:lnRef>
+          <a:fillRef idx="1">
+            <a:schemeClr val="accent1"/>
+          </a:fillRef>
+          <a:effectRef idx="0">
+            <a:schemeClr val="accent1"/>
+          </a:effectRef>
+          <a:fontRef idx="minor">
+            <a:schemeClr val="lt1"/>
+          </a:fontRef>
+        </p:style>
+        <p:txBody>
+          <a:bodyPr rtlCol="0" anchor="ctr"/>
+          <a:lstStyle/>
+          <a:p>
+            <a:pPr algn="ctr"/>
+            <a:r>
+              <a:rPr lang="ko-KR" altLang="en-US" sz="1050" dirty="0" smtClean="0">
+                <a:solidFill>
+                  <a:schemeClr val="bg1"/>
+                </a:solidFill>
+                <a:latin typeface="나눔고딕 ExtraBold" panose="020D0904000000000000" pitchFamily="50" charset="-127"/>
+                <a:ea typeface="나눔고딕 ExtraBold" panose="020D0904000000000000" pitchFamily="50" charset="-127"/>
+              </a:rPr>
+              <a:t>강력한 제품</a:t>
+            </a:r>
+            <a:endParaRPr lang="en-US" altLang="ko-KR" sz="1050" dirty="0" smtClean="0">
+              <a:solidFill>
+                <a:schemeClr val="bg1"/>
+              </a:solidFill>
+              <a:latin typeface="나눔고딕 ExtraBold" panose="020D0904000000000000" pitchFamily="50" charset="-127"/>
+              <a:ea typeface="나눔고딕 ExtraBold" panose="020D0904000000000000" pitchFamily="50" charset="-127"/>
+            </a:endParaRPr>
+          </a:p>
+          <a:p>
+            <a:pPr algn="ctr"/>
+            <a:endParaRPr lang="en-US" altLang="ko-KR" sz="1050" dirty="0" smtClean="0">
+              <a:solidFill>
+                <a:schemeClr val="bg1"/>
+              </a:solidFill>
+              <a:latin typeface="나눔고딕 ExtraBold" panose="020D0904000000000000" pitchFamily="50" charset="-127"/>
+              <a:ea typeface="나눔고딕 ExtraBold" panose="020D0904000000000000" pitchFamily="50" charset="-127"/>
+            </a:endParaRPr>
+          </a:p>
+          <a:p>
+            <a:pPr algn="ctr"/>
+            <a:r>
+              <a:rPr lang="ko-KR" altLang="en-US" sz="1050" dirty="0" smtClean="0">
+                <a:solidFill>
+                  <a:schemeClr val="bg1"/>
+                </a:solidFill>
+                <a:latin typeface="나눔고딕 ExtraBold" panose="020D0904000000000000" pitchFamily="50" charset="-127"/>
+                <a:ea typeface="나눔고딕 ExtraBold" panose="020D0904000000000000" pitchFamily="50" charset="-127"/>
+              </a:rPr>
+              <a:t>준비된 제품</a:t>
+            </a:r>
+            <a:endParaRPr lang="en-US" altLang="ko-KR" sz="1050" dirty="0" smtClean="0">
+              <a:solidFill>
+                <a:schemeClr val="bg1"/>
+              </a:solidFill>
+              <a:latin typeface="나눔고딕 ExtraBold" panose="020D0904000000000000" pitchFamily="50" charset="-127"/>
+              <a:ea typeface="나눔고딕 ExtraBold" panose="020D0904000000000000" pitchFamily="50" charset="-127"/>
+            </a:endParaRPr>
+          </a:p>
+          <a:p>
+            <a:pPr algn="ctr"/>
+            <a:endParaRPr lang="en-US" altLang="ko-KR" sz="1050" dirty="0" smtClean="0">
+              <a:solidFill>
+                <a:schemeClr val="bg1"/>
+              </a:solidFill>
+              <a:latin typeface="나눔고딕 ExtraBold" panose="020D0904000000000000" pitchFamily="50" charset="-127"/>
+              <a:ea typeface="나눔고딕 ExtraBold" panose="020D0904000000000000" pitchFamily="50" charset="-127"/>
+            </a:endParaRPr>
+          </a:p>
+          <a:p>
+            <a:pPr algn="ctr"/>
+            <a:r>
+              <a:rPr lang="ko-KR" altLang="en-US" sz="1050" dirty="0" smtClean="0">
+                <a:solidFill>
+                  <a:schemeClr val="bg1"/>
+                </a:solidFill>
+                <a:latin typeface="나눔고딕 ExtraBold" panose="020D0904000000000000" pitchFamily="50" charset="-127"/>
+                <a:ea typeface="나눔고딕 ExtraBold" panose="020D0904000000000000" pitchFamily="50" charset="-127"/>
+              </a:rPr>
+              <a:t>빠른 </a:t>
+            </a:r>
+            <a:r>
+              <a:rPr lang="en-US" altLang="ko-KR" sz="1050" dirty="0" smtClean="0">
+                <a:solidFill>
+                  <a:schemeClr val="bg1"/>
+                </a:solidFill>
+                <a:latin typeface="나눔고딕 ExtraBold" panose="020D0904000000000000" pitchFamily="50" charset="-127"/>
+                <a:ea typeface="나눔고딕 ExtraBold" panose="020D0904000000000000" pitchFamily="50" charset="-127"/>
+              </a:rPr>
+              <a:t>AS</a:t>
+            </a:r>
+            <a:endParaRPr lang="ko-KR" altLang="en-US" sz="1050" dirty="0">
+              <a:solidFill>
+                <a:schemeClr val="bg1"/>
+              </a:solidFill>
+              <a:latin typeface="나눔고딕 ExtraBold" panose="020D0904000000000000" pitchFamily="50" charset="-127"/>
+              <a:ea typeface="나눔고딕 ExtraBold" panose="020D0904000000000000" pitchFamily="50" charset="-127"/>
+            </a:endParaRPr>
+          </a:p>
+        </p:txBody>
+      </p:sp>
+      <p:sp>
+        <p:nvSpPr>
+          <p:cNvPr id="15" name="직사각형 14"/>
+          <p:cNvSpPr/>
+          <p:nvPr/>
+        </p:nvSpPr>
+        <p:spPr>
+          <a:xfrm>
+            <a:off x="6114911" y="2178100"/>
+            <a:ext cx="2708695" cy="1396163"/>
+          </a:xfrm>
+          <a:prstGeom prst="rect">
+            <a:avLst/>
+          </a:prstGeom>
+          <a:solidFill>
+            <a:schemeClr val="bg1">
+              <a:lumMod val="95000"/>
+              <a:alpha val="0"/>
+            </a:schemeClr>
+          </a:solidFill>
+          <a:ln>
+            <a:noFill/>
+          </a:ln>
+        </p:spPr>
+        <p:style>
+          <a:lnRef idx="2">
+            <a:schemeClr val="accent1">
+              <a:shade val="50000"/>
+            </a:schemeClr>
+          </a:lnRef>
+          <a:fillRef idx="1">
+            <a:schemeClr val="accent1"/>
+          </a:fillRef>
+          <a:effectRef idx="0">
+            <a:schemeClr val="accent1"/>
+          </a:effectRef>
+          <a:fontRef idx="minor">
+            <a:schemeClr val="lt1"/>
+          </a:fontRef>
+        </p:style>
+        <p:txBody>
+          <a:bodyPr rtlCol="0" anchor="ctr"/>
+          <a:lstStyle/>
+          <a:p>
+            <a:pPr algn="ctr"/>
+            <a:r>
+              <a:rPr lang="ko-KR" altLang="en-US" sz="1050" dirty="0" smtClean="0">
+                <a:solidFill>
+                  <a:schemeClr val="bg1"/>
+                </a:solidFill>
+                <a:latin typeface="나눔고딕 ExtraBold" panose="020D0904000000000000" pitchFamily="50" charset="-127"/>
+                <a:ea typeface="나눔고딕 ExtraBold" panose="020D0904000000000000" pitchFamily="50" charset="-127"/>
+              </a:rPr>
+              <a:t>한국 시장에 진입</a:t>
+            </a:r>
+            <a:endParaRPr lang="en-US" altLang="ko-KR" sz="1050" dirty="0" smtClean="0">
+              <a:solidFill>
+                <a:schemeClr val="bg1"/>
+              </a:solidFill>
+              <a:latin typeface="나눔고딕 ExtraBold" panose="020D0904000000000000" pitchFamily="50" charset="-127"/>
+              <a:ea typeface="나눔고딕 ExtraBold" panose="020D0904000000000000" pitchFamily="50" charset="-127"/>
+            </a:endParaRPr>
+          </a:p>
+          <a:p>
+            <a:pPr algn="ctr"/>
+            <a:endParaRPr lang="en-US" altLang="ko-KR" sz="1050" dirty="0" smtClean="0">
+              <a:solidFill>
+                <a:schemeClr val="bg1"/>
+              </a:solidFill>
+              <a:latin typeface="나눔고딕 ExtraBold" panose="020D0904000000000000" pitchFamily="50" charset="-127"/>
+              <a:ea typeface="나눔고딕 ExtraBold" panose="020D0904000000000000" pitchFamily="50" charset="-127"/>
+            </a:endParaRPr>
+          </a:p>
+          <a:p>
+            <a:pPr algn="ctr"/>
+            <a:r>
+              <a:rPr lang="ko-KR" altLang="en-US" sz="1050" dirty="0" smtClean="0">
+                <a:solidFill>
+                  <a:schemeClr val="bg1"/>
+                </a:solidFill>
+                <a:latin typeface="나눔고딕 ExtraBold" panose="020D0904000000000000" pitchFamily="50" charset="-127"/>
+                <a:ea typeface="나눔고딕 ExtraBold" panose="020D0904000000000000" pitchFamily="50" charset="-127"/>
+              </a:rPr>
+              <a:t>미국속도</a:t>
+            </a:r>
+            <a:r>
+              <a:rPr lang="en-US" altLang="ko-KR" sz="1050" dirty="0" smtClean="0">
+                <a:solidFill>
+                  <a:schemeClr val="bg1"/>
+                </a:solidFill>
+                <a:latin typeface="나눔고딕 ExtraBold" panose="020D0904000000000000" pitchFamily="50" charset="-127"/>
+                <a:ea typeface="나눔고딕 ExtraBold" panose="020D0904000000000000" pitchFamily="50" charset="-127"/>
+              </a:rPr>
+              <a:t>/ </a:t>
+            </a:r>
+            <a:r>
+              <a:rPr lang="ko-KR" altLang="en-US" sz="1050" dirty="0" smtClean="0">
+                <a:solidFill>
+                  <a:schemeClr val="bg1"/>
+                </a:solidFill>
+                <a:latin typeface="나눔고딕 ExtraBold" panose="020D0904000000000000" pitchFamily="50" charset="-127"/>
+                <a:ea typeface="나눔고딕 ExtraBold" panose="020D0904000000000000" pitchFamily="50" charset="-127"/>
+              </a:rPr>
+              <a:t>한국속도</a:t>
+            </a:r>
+            <a:endParaRPr lang="en-US" altLang="ko-KR" sz="1050" dirty="0" smtClean="0">
+              <a:solidFill>
+                <a:schemeClr val="bg1"/>
+              </a:solidFill>
+              <a:latin typeface="나눔고딕 ExtraBold" panose="020D0904000000000000" pitchFamily="50" charset="-127"/>
+              <a:ea typeface="나눔고딕 ExtraBold" panose="020D0904000000000000" pitchFamily="50" charset="-127"/>
+            </a:endParaRPr>
+          </a:p>
+        </p:txBody>
+      </p:sp>
+      <p:sp>
+        <p:nvSpPr>
+          <p:cNvPr id="16" name="직사각형 15"/>
+          <p:cNvSpPr/>
+          <p:nvPr/>
+        </p:nvSpPr>
+        <p:spPr>
+          <a:xfrm>
+            <a:off x="3401192" y="3884392"/>
+            <a:ext cx="2708695" cy="1884919"/>
+          </a:xfrm>
+          <a:prstGeom prst="rect">
+            <a:avLst/>
+          </a:prstGeom>
+          <a:solidFill>
+            <a:schemeClr val="bg1">
+              <a:lumMod val="95000"/>
+              <a:alpha val="0"/>
+            </a:schemeClr>
+          </a:solidFill>
+          <a:ln>
+            <a:noFill/>
+          </a:ln>
+        </p:spPr>
+        <p:style>
+          <a:lnRef idx="2">
+            <a:schemeClr val="accent1">
+              <a:shade val="50000"/>
+            </a:schemeClr>
+          </a:lnRef>
+          <a:fillRef idx="1">
+            <a:schemeClr val="accent1"/>
+          </a:fillRef>
+          <a:effectRef idx="0">
+            <a:schemeClr val="accent1"/>
+          </a:effectRef>
+          <a:fontRef idx="minor">
+            <a:schemeClr val="lt1"/>
+          </a:fontRef>
+        </p:style>
+        <p:txBody>
+          <a:bodyPr rtlCol="0" anchor="ctr"/>
+          <a:lstStyle/>
+          <a:p>
+            <a:pPr algn="ctr"/>
+            <a:r>
+              <a:rPr lang="en-US" altLang="ko-KR" sz="1050" dirty="0" smtClean="0">
+                <a:solidFill>
+                  <a:schemeClr val="bg1"/>
+                </a:solidFill>
+                <a:latin typeface="나눔고딕 ExtraBold" panose="020D0904000000000000" pitchFamily="50" charset="-127"/>
+                <a:ea typeface="나눔고딕 ExtraBold" panose="020D0904000000000000" pitchFamily="50" charset="-127"/>
+              </a:rPr>
+              <a:t>RPA </a:t>
+            </a:r>
+            <a:r>
+              <a:rPr lang="ko-KR" altLang="en-US" sz="1050" dirty="0" smtClean="0">
+                <a:solidFill>
+                  <a:schemeClr val="bg1"/>
+                </a:solidFill>
+                <a:latin typeface="나눔고딕 ExtraBold" panose="020D0904000000000000" pitchFamily="50" charset="-127"/>
+                <a:ea typeface="나눔고딕 ExtraBold" panose="020D0904000000000000" pitchFamily="50" charset="-127"/>
+              </a:rPr>
+              <a:t>시대 돌입</a:t>
+            </a:r>
+            <a:endParaRPr lang="en-US" altLang="ko-KR" sz="1050" dirty="0" smtClean="0">
+              <a:solidFill>
+                <a:schemeClr val="bg1"/>
+              </a:solidFill>
+              <a:latin typeface="나눔고딕 ExtraBold" panose="020D0904000000000000" pitchFamily="50" charset="-127"/>
+              <a:ea typeface="나눔고딕 ExtraBold" panose="020D0904000000000000" pitchFamily="50" charset="-127"/>
+            </a:endParaRPr>
+          </a:p>
+          <a:p>
+            <a:pPr algn="ctr"/>
+            <a:endParaRPr lang="en-US" altLang="ko-KR" sz="1050" dirty="0">
+              <a:solidFill>
+                <a:schemeClr val="bg1"/>
+              </a:solidFill>
+              <a:latin typeface="나눔고딕 ExtraBold" panose="020D0904000000000000" pitchFamily="50" charset="-127"/>
+              <a:ea typeface="나눔고딕 ExtraBold" panose="020D0904000000000000" pitchFamily="50" charset="-127"/>
+            </a:endParaRPr>
+          </a:p>
+          <a:p>
+            <a:pPr algn="ctr"/>
+            <a:r>
+              <a:rPr lang="ko-KR" altLang="en-US" sz="1050" dirty="0" smtClean="0">
+                <a:solidFill>
+                  <a:schemeClr val="bg1"/>
+                </a:solidFill>
+                <a:latin typeface="나눔고딕 ExtraBold" panose="020D0904000000000000" pitchFamily="50" charset="-127"/>
+                <a:ea typeface="나눔고딕 ExtraBold" panose="020D0904000000000000" pitchFamily="50" charset="-127"/>
+              </a:rPr>
+              <a:t>준비된 </a:t>
+            </a:r>
+            <a:r>
+              <a:rPr lang="ko-KR" altLang="en-US" sz="1050" dirty="0" err="1" smtClean="0">
+                <a:solidFill>
+                  <a:schemeClr val="bg1"/>
+                </a:solidFill>
+                <a:latin typeface="나눔고딕 ExtraBold" panose="020D0904000000000000" pitchFamily="50" charset="-127"/>
+                <a:ea typeface="나눔고딕 ExtraBold" panose="020D0904000000000000" pitchFamily="50" charset="-127"/>
+              </a:rPr>
+              <a:t>제품력</a:t>
+            </a:r>
+            <a:endParaRPr lang="en-US" altLang="ko-KR" sz="1050" dirty="0" smtClean="0">
+              <a:solidFill>
+                <a:schemeClr val="bg1"/>
+              </a:solidFill>
+              <a:latin typeface="나눔고딕 ExtraBold" panose="020D0904000000000000" pitchFamily="50" charset="-127"/>
+              <a:ea typeface="나눔고딕 ExtraBold" panose="020D0904000000000000" pitchFamily="50" charset="-127"/>
+            </a:endParaRPr>
+          </a:p>
+          <a:p>
+            <a:pPr algn="ctr"/>
+            <a:endParaRPr lang="en-US" altLang="ko-KR" sz="1050" dirty="0">
+              <a:solidFill>
+                <a:schemeClr val="bg1"/>
+              </a:solidFill>
+              <a:latin typeface="나눔고딕 ExtraBold" panose="020D0904000000000000" pitchFamily="50" charset="-127"/>
+              <a:ea typeface="나눔고딕 ExtraBold" panose="020D0904000000000000" pitchFamily="50" charset="-127"/>
+            </a:endParaRPr>
+          </a:p>
+          <a:p>
+            <a:pPr algn="ctr"/>
+            <a:r>
+              <a:rPr lang="ko-KR" altLang="en-US" sz="1050" dirty="0" smtClean="0">
+                <a:solidFill>
+                  <a:schemeClr val="bg1"/>
+                </a:solidFill>
+                <a:latin typeface="나눔고딕 ExtraBold" panose="020D0904000000000000" pitchFamily="50" charset="-127"/>
+                <a:ea typeface="나눔고딕 ExtraBold" panose="020D0904000000000000" pitchFamily="50" charset="-127"/>
+              </a:rPr>
+              <a:t>인건비상승 </a:t>
+            </a:r>
+            <a:r>
+              <a:rPr lang="en-US" altLang="ko-KR" sz="1050" dirty="0" smtClean="0">
+                <a:solidFill>
+                  <a:schemeClr val="bg1"/>
+                </a:solidFill>
+                <a:latin typeface="나눔고딕 ExtraBold" panose="020D0904000000000000" pitchFamily="50" charset="-127"/>
+                <a:ea typeface="나눔고딕 ExtraBold" panose="020D0904000000000000" pitchFamily="50" charset="-127"/>
+              </a:rPr>
+              <a:t>/ </a:t>
+            </a:r>
+            <a:r>
+              <a:rPr lang="ko-KR" altLang="en-US" sz="1050" dirty="0" smtClean="0">
+                <a:solidFill>
+                  <a:schemeClr val="bg1"/>
+                </a:solidFill>
+                <a:latin typeface="나눔고딕 ExtraBold" panose="020D0904000000000000" pitchFamily="50" charset="-127"/>
+                <a:ea typeface="나눔고딕 ExtraBold" panose="020D0904000000000000" pitchFamily="50" charset="-127"/>
+              </a:rPr>
+              <a:t>복지제도</a:t>
+            </a:r>
+            <a:endParaRPr lang="en-US" altLang="ko-KR" sz="1050" dirty="0" smtClean="0">
+              <a:solidFill>
+                <a:schemeClr val="bg1"/>
+              </a:solidFill>
+              <a:latin typeface="나눔고딕 ExtraBold" panose="020D0904000000000000" pitchFamily="50" charset="-127"/>
+              <a:ea typeface="나눔고딕 ExtraBold" panose="020D0904000000000000" pitchFamily="50" charset="-127"/>
+            </a:endParaRPr>
+          </a:p>
+          <a:p>
+            <a:pPr algn="ctr"/>
+            <a:endParaRPr lang="en-US" altLang="ko-KR" sz="1050" dirty="0" smtClean="0">
+              <a:solidFill>
+                <a:schemeClr val="bg1"/>
+              </a:solidFill>
+              <a:latin typeface="나눔고딕 ExtraBold" panose="020D0904000000000000" pitchFamily="50" charset="-127"/>
+              <a:ea typeface="나눔고딕 ExtraBold" panose="020D0904000000000000" pitchFamily="50" charset="-127"/>
+            </a:endParaRPr>
+          </a:p>
+          <a:p>
+            <a:pPr algn="ctr"/>
+            <a:r>
+              <a:rPr lang="ko-KR" altLang="en-US" sz="1050" dirty="0" smtClean="0">
+                <a:solidFill>
+                  <a:schemeClr val="bg1"/>
+                </a:solidFill>
+                <a:latin typeface="나눔고딕 ExtraBold" panose="020D0904000000000000" pitchFamily="50" charset="-127"/>
+                <a:ea typeface="나눔고딕 ExtraBold" panose="020D0904000000000000" pitchFamily="50" charset="-127"/>
+              </a:rPr>
+              <a:t>인력을 대체함</a:t>
+            </a:r>
+            <a:endParaRPr lang="en-US" altLang="ko-KR" sz="1050" dirty="0" smtClean="0">
+              <a:solidFill>
+                <a:schemeClr val="bg1"/>
+              </a:solidFill>
+              <a:latin typeface="나눔고딕 ExtraBold" panose="020D0904000000000000" pitchFamily="50" charset="-127"/>
+              <a:ea typeface="나눔고딕 ExtraBold" panose="020D0904000000000000" pitchFamily="50" charset="-127"/>
+            </a:endParaRPr>
+          </a:p>
+        </p:txBody>
+      </p:sp>
+      <p:sp>
+        <p:nvSpPr>
+          <p:cNvPr id="17" name="직사각형 16"/>
+          <p:cNvSpPr/>
+          <p:nvPr/>
+        </p:nvSpPr>
+        <p:spPr>
+          <a:xfrm>
+            <a:off x="6129984" y="3891284"/>
+            <a:ext cx="2708695" cy="1884919"/>
+          </a:xfrm>
+          <a:prstGeom prst="rect">
+            <a:avLst/>
+          </a:prstGeom>
+          <a:solidFill>
+            <a:schemeClr val="bg1">
+              <a:lumMod val="95000"/>
+              <a:alpha val="0"/>
+            </a:schemeClr>
+          </a:solidFill>
+          <a:ln>
+            <a:noFill/>
+          </a:ln>
+        </p:spPr>
+        <p:style>
+          <a:lnRef idx="2">
+            <a:schemeClr val="accent1">
+              <a:shade val="50000"/>
+            </a:schemeClr>
+          </a:lnRef>
+          <a:fillRef idx="1">
+            <a:schemeClr val="accent1"/>
+          </a:fillRef>
+          <a:effectRef idx="0">
+            <a:schemeClr val="accent1"/>
+          </a:effectRef>
+          <a:fontRef idx="minor">
+            <a:schemeClr val="lt1"/>
+          </a:fontRef>
+        </p:style>
+        <p:txBody>
+          <a:bodyPr rtlCol="0" anchor="ctr"/>
+          <a:lstStyle/>
+          <a:p>
+            <a:pPr algn="ctr"/>
+            <a:r>
+              <a:rPr lang="ko-KR" altLang="en-US" sz="1050" dirty="0" smtClean="0">
+                <a:solidFill>
+                  <a:schemeClr val="bg1"/>
+                </a:solidFill>
+                <a:latin typeface="나눔고딕 ExtraBold" panose="020D0904000000000000" pitchFamily="50" charset="-127"/>
+                <a:ea typeface="나눔고딕 ExtraBold" panose="020D0904000000000000" pitchFamily="50" charset="-127"/>
+              </a:rPr>
+              <a:t>다양한 </a:t>
+            </a:r>
+            <a:r>
+              <a:rPr lang="en-US" altLang="ko-KR" sz="1050" dirty="0" smtClean="0">
+                <a:solidFill>
+                  <a:schemeClr val="bg1"/>
+                </a:solidFill>
+                <a:latin typeface="나눔고딕 ExtraBold" panose="020D0904000000000000" pitchFamily="50" charset="-127"/>
+                <a:ea typeface="나눔고딕 ExtraBold" panose="020D0904000000000000" pitchFamily="50" charset="-127"/>
+              </a:rPr>
+              <a:t>RPA</a:t>
+            </a:r>
+            <a:r>
+              <a:rPr lang="ko-KR" altLang="en-US" sz="1050" dirty="0" smtClean="0">
+                <a:solidFill>
+                  <a:schemeClr val="bg1"/>
+                </a:solidFill>
+                <a:latin typeface="나눔고딕 ExtraBold" panose="020D0904000000000000" pitchFamily="50" charset="-127"/>
+                <a:ea typeface="나눔고딕 ExtraBold" panose="020D0904000000000000" pitchFamily="50" charset="-127"/>
+              </a:rPr>
+              <a:t>와 경쟁</a:t>
+            </a:r>
+            <a:endParaRPr lang="en-US" altLang="ko-KR" sz="1050" dirty="0" smtClean="0">
+              <a:solidFill>
+                <a:schemeClr val="bg1"/>
+              </a:solidFill>
+              <a:latin typeface="나눔고딕 ExtraBold" panose="020D0904000000000000" pitchFamily="50" charset="-127"/>
+              <a:ea typeface="나눔고딕 ExtraBold" panose="020D0904000000000000" pitchFamily="50" charset="-127"/>
+            </a:endParaRPr>
+          </a:p>
+          <a:p>
+            <a:pPr algn="ctr"/>
+            <a:endParaRPr lang="en-US" altLang="ko-KR" sz="1050" dirty="0">
+              <a:solidFill>
+                <a:schemeClr val="bg1"/>
+              </a:solidFill>
+              <a:latin typeface="나눔고딕 ExtraBold" panose="020D0904000000000000" pitchFamily="50" charset="-127"/>
+              <a:ea typeface="나눔고딕 ExtraBold" panose="020D0904000000000000" pitchFamily="50" charset="-127"/>
+            </a:endParaRPr>
+          </a:p>
+          <a:p>
+            <a:pPr algn="ctr"/>
+            <a:r>
+              <a:rPr lang="ko-KR" altLang="en-US" sz="1050" dirty="0" smtClean="0">
+                <a:solidFill>
+                  <a:schemeClr val="bg1"/>
+                </a:solidFill>
+                <a:latin typeface="나눔고딕 ExtraBold" panose="020D0904000000000000" pitchFamily="50" charset="-127"/>
+                <a:ea typeface="나눔고딕 ExtraBold" panose="020D0904000000000000" pitchFamily="50" charset="-127"/>
+              </a:rPr>
+              <a:t>소비자가 </a:t>
+            </a:r>
+            <a:r>
+              <a:rPr lang="en-US" altLang="ko-KR" sz="1050" dirty="0" smtClean="0">
+                <a:solidFill>
+                  <a:schemeClr val="bg1"/>
+                </a:solidFill>
+                <a:latin typeface="나눔고딕 ExtraBold" panose="020D0904000000000000" pitchFamily="50" charset="-127"/>
+                <a:ea typeface="나눔고딕 ExtraBold" panose="020D0904000000000000" pitchFamily="50" charset="-127"/>
+              </a:rPr>
+              <a:t>RPA</a:t>
+            </a:r>
+            <a:r>
+              <a:rPr lang="ko-KR" altLang="en-US" sz="1050" dirty="0" smtClean="0">
+                <a:solidFill>
+                  <a:schemeClr val="bg1"/>
+                </a:solidFill>
+                <a:latin typeface="나눔고딕 ExtraBold" panose="020D0904000000000000" pitchFamily="50" charset="-127"/>
+                <a:ea typeface="나눔고딕 ExtraBold" panose="020D0904000000000000" pitchFamily="50" charset="-127"/>
+              </a:rPr>
+              <a:t>를 인지하지 못함</a:t>
+            </a:r>
+            <a:endParaRPr lang="en-US" altLang="ko-KR" sz="1050" dirty="0" smtClean="0">
+              <a:solidFill>
+                <a:schemeClr val="bg1"/>
+              </a:solidFill>
+              <a:latin typeface="나눔고딕 ExtraBold" panose="020D0904000000000000" pitchFamily="50" charset="-127"/>
+              <a:ea typeface="나눔고딕 ExtraBold" panose="020D0904000000000000" pitchFamily="50" charset="-127"/>
+            </a:endParaRPr>
+          </a:p>
+          <a:p>
+            <a:pPr algn="ctr"/>
+            <a:endParaRPr lang="en-US" altLang="ko-KR" sz="1050" dirty="0">
+              <a:solidFill>
+                <a:schemeClr val="bg1"/>
+              </a:solidFill>
+              <a:latin typeface="나눔고딕 ExtraBold" panose="020D0904000000000000" pitchFamily="50" charset="-127"/>
+              <a:ea typeface="나눔고딕 ExtraBold" panose="020D0904000000000000" pitchFamily="50" charset="-127"/>
+            </a:endParaRPr>
+          </a:p>
+          <a:p>
+            <a:pPr algn="ctr"/>
+            <a:r>
+              <a:rPr lang="ko-KR" altLang="en-US" sz="1050" dirty="0" smtClean="0">
+                <a:solidFill>
+                  <a:schemeClr val="bg1"/>
+                </a:solidFill>
+                <a:latin typeface="나눔고딕 ExtraBold" panose="020D0904000000000000" pitchFamily="50" charset="-127"/>
+                <a:ea typeface="나눔고딕 ExtraBold" panose="020D0904000000000000" pitchFamily="50" charset="-127"/>
+              </a:rPr>
+              <a:t>노동조합의 반대 우려</a:t>
+            </a:r>
+            <a:endParaRPr lang="en-US" altLang="ko-KR" sz="1050" dirty="0" smtClean="0">
+              <a:solidFill>
+                <a:schemeClr val="bg1"/>
+              </a:solidFill>
+              <a:latin typeface="나눔고딕 ExtraBold" panose="020D0904000000000000" pitchFamily="50" charset="-127"/>
+              <a:ea typeface="나눔고딕 ExtraBold" panose="020D0904000000000000" pitchFamily="50" charset="-127"/>
+            </a:endParaRPr>
+          </a:p>
+          <a:p>
+            <a:pPr algn="ctr"/>
+            <a:endParaRPr lang="en-US" altLang="ko-KR" sz="1050" dirty="0" smtClean="0">
+              <a:solidFill>
+                <a:schemeClr val="bg1"/>
+              </a:solidFill>
+              <a:latin typeface="나눔고딕 ExtraBold" panose="020D0904000000000000" pitchFamily="50" charset="-127"/>
+              <a:ea typeface="나눔고딕 ExtraBold" panose="020D0904000000000000" pitchFamily="50" charset="-127"/>
+            </a:endParaRPr>
+          </a:p>
+          <a:p>
+            <a:pPr algn="ctr"/>
+            <a:r>
+              <a:rPr lang="ko-KR" altLang="en-US" sz="1050" dirty="0" smtClean="0">
+                <a:solidFill>
+                  <a:schemeClr val="bg1"/>
+                </a:solidFill>
+                <a:latin typeface="나눔고딕 ExtraBold" panose="020D0904000000000000" pitchFamily="50" charset="-127"/>
+                <a:ea typeface="나눔고딕 ExtraBold" panose="020D0904000000000000" pitchFamily="50" charset="-127"/>
+              </a:rPr>
+              <a:t>법이 변하면</a:t>
+            </a:r>
+            <a:r>
+              <a:rPr lang="en-US" altLang="ko-KR" sz="1050" dirty="0" smtClean="0">
+                <a:solidFill>
+                  <a:schemeClr val="bg1"/>
+                </a:solidFill>
+                <a:latin typeface="나눔고딕 ExtraBold" panose="020D0904000000000000" pitchFamily="50" charset="-127"/>
+                <a:ea typeface="나눔고딕 ExtraBold" panose="020D0904000000000000" pitchFamily="50" charset="-127"/>
+              </a:rPr>
+              <a:t>, </a:t>
+            </a:r>
+            <a:r>
+              <a:rPr lang="ko-KR" altLang="en-US" sz="1050" dirty="0" smtClean="0">
+                <a:solidFill>
+                  <a:schemeClr val="bg1"/>
+                </a:solidFill>
+                <a:latin typeface="나눔고딕 ExtraBold" panose="020D0904000000000000" pitchFamily="50" charset="-127"/>
+                <a:ea typeface="나눔고딕 ExtraBold" panose="020D0904000000000000" pitchFamily="50" charset="-127"/>
+              </a:rPr>
+              <a:t>신속한 대형 업데이트 필요 </a:t>
+            </a:r>
+            <a:endParaRPr lang="en-US" altLang="ko-KR" sz="1050" dirty="0" smtClean="0">
+              <a:solidFill>
+                <a:schemeClr val="bg1"/>
+              </a:solidFill>
+              <a:latin typeface="나눔고딕 ExtraBold" panose="020D0904000000000000" pitchFamily="50" charset="-127"/>
+              <a:ea typeface="나눔고딕 ExtraBold" panose="020D0904000000000000" pitchFamily="50" charset="-127"/>
+            </a:endParaRPr>
+          </a:p>
+        </p:txBody>
+      </p:sp>
+      <p:sp>
+        <p:nvSpPr>
+          <p:cNvPr id="13" name="직사각형 12"/>
+          <p:cNvSpPr/>
+          <p:nvPr/>
+        </p:nvSpPr>
+        <p:spPr>
+          <a:xfrm>
+            <a:off x="2270927" y="2008193"/>
+            <a:ext cx="984738" cy="1883091"/>
+          </a:xfrm>
+          <a:prstGeom prst="rect">
+            <a:avLst/>
+          </a:prstGeom>
+          <a:solidFill>
+            <a:schemeClr val="bg1">
+              <a:lumMod val="65000"/>
+            </a:schemeClr>
+          </a:solidFill>
+          <a:ln>
+            <a:noFill/>
+          </a:ln>
+        </p:spPr>
+        <p:style>
+          <a:lnRef idx="2">
+            <a:schemeClr val="accent1">
+              <a:shade val="50000"/>
+            </a:schemeClr>
+          </a:lnRef>
+          <a:fillRef idx="1">
+            <a:schemeClr val="accent1"/>
+          </a:fillRef>
+          <a:effectRef idx="0">
+            <a:schemeClr val="accent1"/>
+          </a:effectRef>
+          <a:fontRef idx="minor">
+            <a:schemeClr val="lt1"/>
+          </a:fontRef>
+        </p:style>
+        <p:txBody>
+          <a:bodyPr rtlCol="0" anchor="ctr"/>
+          <a:lstStyle/>
+          <a:p>
+            <a:pPr algn="ctr"/>
+            <a:r>
+              <a:rPr lang="ko-KR" altLang="en-US" dirty="0" smtClean="0"/>
+              <a:t>강점</a:t>
+            </a:r>
+            <a:endParaRPr lang="en-US" altLang="ko-KR" dirty="0" smtClean="0"/>
+          </a:p>
+          <a:p>
+            <a:pPr algn="ctr"/>
+            <a:r>
+              <a:rPr lang="ko-KR" altLang="en-US" dirty="0" smtClean="0"/>
+              <a:t>부각</a:t>
+            </a:r>
+            <a:endParaRPr lang="ko-KR" altLang="en-US" dirty="0"/>
+          </a:p>
+        </p:txBody>
+      </p:sp>
+      <p:sp>
+        <p:nvSpPr>
+          <p:cNvPr id="19" name="직사각형 18"/>
+          <p:cNvSpPr/>
+          <p:nvPr/>
+        </p:nvSpPr>
+        <p:spPr>
+          <a:xfrm>
+            <a:off x="2270927" y="3886220"/>
+            <a:ext cx="984738" cy="1883091"/>
+          </a:xfrm>
+          <a:prstGeom prst="rect">
+            <a:avLst/>
+          </a:prstGeom>
+          <a:solidFill>
+            <a:schemeClr val="tx2">
+              <a:lumMod val="75000"/>
+            </a:schemeClr>
+          </a:solidFill>
+          <a:ln>
+            <a:noFill/>
+          </a:ln>
+        </p:spPr>
+        <p:style>
+          <a:lnRef idx="2">
+            <a:schemeClr val="accent1">
+              <a:shade val="50000"/>
+            </a:schemeClr>
+          </a:lnRef>
+          <a:fillRef idx="1">
+            <a:schemeClr val="accent1"/>
+          </a:fillRef>
+          <a:effectRef idx="0">
+            <a:schemeClr val="accent1"/>
+          </a:effectRef>
+          <a:fontRef idx="minor">
+            <a:schemeClr val="lt1"/>
+          </a:fontRef>
+        </p:style>
+        <p:txBody>
+          <a:bodyPr rtlCol="0" anchor="ctr"/>
+          <a:lstStyle/>
+          <a:p>
+            <a:pPr algn="ctr"/>
+            <a:r>
+              <a:rPr lang="ko-KR" altLang="en-US" dirty="0" smtClean="0"/>
+              <a:t>기회</a:t>
+            </a:r>
+            <a:endParaRPr lang="en-US" altLang="ko-KR" dirty="0" smtClean="0"/>
+          </a:p>
+          <a:p>
+            <a:pPr algn="ctr"/>
+            <a:r>
+              <a:rPr lang="ko-KR" altLang="en-US" dirty="0" smtClean="0"/>
+              <a:t>이용</a:t>
+            </a:r>
+            <a:endParaRPr lang="ko-KR" altLang="en-US" dirty="0"/>
+          </a:p>
+        </p:txBody>
+      </p:sp>
+      <p:sp>
+        <p:nvSpPr>
+          <p:cNvPr id="20" name="직사각형 19"/>
+          <p:cNvSpPr/>
+          <p:nvPr/>
+        </p:nvSpPr>
+        <p:spPr>
+          <a:xfrm>
+            <a:off x="8994254" y="2008193"/>
+            <a:ext cx="984738" cy="1883091"/>
+          </a:xfrm>
+          <a:prstGeom prst="rect">
+            <a:avLst/>
+          </a:prstGeom>
+          <a:solidFill>
+            <a:schemeClr val="bg1">
+              <a:lumMod val="65000"/>
+            </a:schemeClr>
+          </a:solidFill>
+          <a:ln>
+            <a:noFill/>
+          </a:ln>
+        </p:spPr>
+        <p:style>
+          <a:lnRef idx="2">
+            <a:schemeClr val="accent1">
+              <a:shade val="50000"/>
+            </a:schemeClr>
+          </a:lnRef>
+          <a:fillRef idx="1">
+            <a:schemeClr val="accent1"/>
+          </a:fillRef>
+          <a:effectRef idx="0">
+            <a:schemeClr val="accent1"/>
+          </a:effectRef>
+          <a:fontRef idx="minor">
+            <a:schemeClr val="lt1"/>
+          </a:fontRef>
+        </p:style>
+        <p:txBody>
+          <a:bodyPr rtlCol="0" anchor="ctr"/>
+          <a:lstStyle/>
+          <a:p>
+            <a:pPr algn="ctr"/>
+            <a:r>
+              <a:rPr lang="ko-KR" altLang="en-US" dirty="0" smtClean="0"/>
+              <a:t>약점</a:t>
+            </a:r>
+            <a:endParaRPr lang="en-US" altLang="ko-KR" dirty="0" smtClean="0"/>
+          </a:p>
+          <a:p>
+            <a:pPr algn="ctr"/>
+            <a:r>
+              <a:rPr lang="ko-KR" altLang="en-US" dirty="0" smtClean="0"/>
+              <a:t>보완</a:t>
+            </a:r>
+            <a:endParaRPr lang="ko-KR" altLang="en-US" dirty="0"/>
+          </a:p>
+        </p:txBody>
+      </p:sp>
+      <p:sp>
+        <p:nvSpPr>
+          <p:cNvPr id="23" name="직사각형 22"/>
+          <p:cNvSpPr/>
+          <p:nvPr/>
+        </p:nvSpPr>
+        <p:spPr>
+          <a:xfrm>
+            <a:off x="8994254" y="3886220"/>
+            <a:ext cx="984738" cy="1883091"/>
+          </a:xfrm>
+          <a:prstGeom prst="rect">
+            <a:avLst/>
+          </a:prstGeom>
+          <a:solidFill>
+            <a:schemeClr val="tx2">
+              <a:lumMod val="75000"/>
+            </a:schemeClr>
+          </a:solidFill>
+          <a:ln>
+            <a:noFill/>
+          </a:ln>
+        </p:spPr>
+        <p:style>
+          <a:lnRef idx="2">
+            <a:schemeClr val="accent1">
+              <a:shade val="50000"/>
+            </a:schemeClr>
+          </a:lnRef>
+          <a:fillRef idx="1">
+            <a:schemeClr val="accent1"/>
+          </a:fillRef>
+          <a:effectRef idx="0">
+            <a:schemeClr val="accent1"/>
+          </a:effectRef>
+          <a:fontRef idx="minor">
+            <a:schemeClr val="lt1"/>
+          </a:fontRef>
+        </p:style>
+        <p:txBody>
+          <a:bodyPr rtlCol="0" anchor="ctr"/>
+          <a:lstStyle/>
+          <a:p>
+            <a:pPr algn="ctr"/>
+            <a:r>
+              <a:rPr lang="ko-KR" altLang="en-US" dirty="0" smtClean="0"/>
+              <a:t>위기</a:t>
+            </a:r>
+            <a:endParaRPr lang="en-US" altLang="ko-KR" dirty="0" smtClean="0"/>
+          </a:p>
+          <a:p>
+            <a:pPr algn="ctr"/>
+            <a:r>
+              <a:rPr lang="ko-KR" altLang="en-US" dirty="0" smtClean="0"/>
+              <a:t>극복</a:t>
+            </a:r>
+            <a:endParaRPr lang="ko-KR" altLang="en-US" dirty="0"/>
+          </a:p>
+        </p:txBody>
+      </p:sp>
+    </p:spTree>
+    <p:extLst>
+      <p:ext uri="{BB962C8B-B14F-4D97-AF65-F5344CB8AC3E}">
+        <p14:creationId xmlns:p14="http://schemas.microsoft.com/office/powerpoint/2010/main" val="2573918631"/>
+      </p:ext>
+    </p:extLst>
+  </p:cSld>
+  <p:clrMapOvr>
+    <a:masterClrMapping/>
+  </p:clrMapOvr>
+  <p:timing>
+    <p:tnLst>
+      <p:par>
+        <p:cTn id="1" dur="indefinite" restart="never" nodeType="tmRoot"/>
+      </p:par>
+    </p:tnLst>
+  </p:timing>
+</p:sld>
+</file>
+
+<file path=ppt/slides/slide18.xml><?xml version="1.0" encoding="utf-8"?>
+<p:sld xmlns:a="http://schemas.openxmlformats.org/drawingml/2006/main" xmlns:r="http://schemas.openxmlformats.org/officeDocument/2006/relationships" xmlns:p="http://schemas.openxmlformats.org/presentationml/2006/main">
+  <p:cSld>
+    <p:spTree>
+      <p:nvGrpSpPr>
+        <p:cNvPr id="1" name=""/>
+        <p:cNvGrpSpPr/>
+        <p:nvPr/>
+      </p:nvGrpSpPr>
+      <p:grpSpPr>
+        <a:xfrm>
+          <a:off x="0" y="0"/>
+          <a:ext cx="0" cy="0"/>
+          <a:chOff x="0" y="0"/>
+          <a:chExt cx="0" cy="0"/>
+        </a:xfrm>
+      </p:grpSpPr>
+      <p:sp>
+        <p:nvSpPr>
           <p:cNvPr id="3" name="직사각형 2"/>
           <p:cNvSpPr/>
           <p:nvPr/>

--- a/data/AI_업무_플랫폼_ UiPath_영업전략_김민상.pptx
+++ b/data/AI_업무_플랫폼_ UiPath_영업전략_김민상.pptx
@@ -23,6 +23,7 @@
     <p:sldId id="259" r:id="rId17"/>
     <p:sldId id="274" r:id="rId18"/>
     <p:sldId id="271" r:id="rId19"/>
+    <p:sldId id="275" r:id="rId20"/>
   </p:sldIdLst>
   <p:sldSz cx="12192000" cy="6858000"/>
   <p:notesSz cx="6858000" cy="9144000"/>
@@ -11837,6 +11838,292 @@
 </p:sld>
 </file>
 
+<file path=ppt/slides/slide19.xml><?xml version="1.0" encoding="utf-8"?>
+<p:sld xmlns:a="http://schemas.openxmlformats.org/drawingml/2006/main" xmlns:r="http://schemas.openxmlformats.org/officeDocument/2006/relationships" xmlns:p="http://schemas.openxmlformats.org/presentationml/2006/main">
+  <p:cSld>
+    <p:spTree>
+      <p:nvGrpSpPr>
+        <p:cNvPr id="1" name=""/>
+        <p:cNvGrpSpPr/>
+        <p:nvPr/>
+      </p:nvGrpSpPr>
+      <p:grpSpPr>
+        <a:xfrm>
+          <a:off x="0" y="0"/>
+          <a:ext cx="0" cy="0"/>
+          <a:chOff x="0" y="0"/>
+          <a:chExt cx="0" cy="0"/>
+        </a:xfrm>
+      </p:grpSpPr>
+      <p:sp>
+        <p:nvSpPr>
+          <p:cNvPr id="3" name="직사각형 2"/>
+          <p:cNvSpPr/>
+          <p:nvPr/>
+        </p:nvSpPr>
+        <p:spPr>
+          <a:xfrm>
+            <a:off x="0" y="294640"/>
+            <a:ext cx="12192000" cy="731520"/>
+          </a:xfrm>
+          <a:prstGeom prst="rect">
+            <a:avLst/>
+          </a:prstGeom>
+          <a:solidFill>
+            <a:schemeClr val="bg1">
+              <a:lumMod val="95000"/>
+            </a:schemeClr>
+          </a:solidFill>
+          <a:ln>
+            <a:noFill/>
+          </a:ln>
+        </p:spPr>
+        <p:style>
+          <a:lnRef idx="2">
+            <a:schemeClr val="accent1">
+              <a:shade val="50000"/>
+            </a:schemeClr>
+          </a:lnRef>
+          <a:fillRef idx="1">
+            <a:schemeClr val="accent1"/>
+          </a:fillRef>
+          <a:effectRef idx="0">
+            <a:schemeClr val="accent1"/>
+          </a:effectRef>
+          <a:fontRef idx="minor">
+            <a:schemeClr val="lt1"/>
+          </a:fontRef>
+        </p:style>
+        <p:txBody>
+          <a:bodyPr rtlCol="0" anchor="ctr"/>
+          <a:lstStyle/>
+          <a:p>
+            <a:pPr algn="ctr"/>
+            <a:endParaRPr lang="ko-KR" altLang="en-US"/>
+          </a:p>
+        </p:txBody>
+      </p:sp>
+      <p:pic>
+        <p:nvPicPr>
+          <p:cNvPr id="6" name="그림 5"/>
+          <p:cNvPicPr>
+            <a:picLocks noChangeAspect="1"/>
+          </p:cNvPicPr>
+          <p:nvPr/>
+        </p:nvPicPr>
+        <p:blipFill rotWithShape="1">
+          <a:blip r:embed="rId2" cstate="print">
+            <a:extLst>
+              <a:ext uri="{28A0092B-C50C-407E-A947-70E740481C1C}">
+                <a14:useLocalDpi xmlns:a14="http://schemas.microsoft.com/office/drawing/2010/main" val="0"/>
+              </a:ext>
+            </a:extLst>
+          </a:blip>
+          <a:srcRect l="16662" t="22207" r="16547" b="25072"/>
+          <a:stretch/>
+        </p:blipFill>
+        <p:spPr>
+          <a:xfrm>
+            <a:off x="10414000" y="355142"/>
+            <a:ext cx="1473200" cy="610515"/>
+          </a:xfrm>
+          <a:prstGeom prst="rect">
+            <a:avLst/>
+          </a:prstGeom>
+        </p:spPr>
+      </p:pic>
+      <p:sp>
+        <p:nvSpPr>
+          <p:cNvPr id="7" name="직사각형 6"/>
+          <p:cNvSpPr/>
+          <p:nvPr/>
+        </p:nvSpPr>
+        <p:spPr>
+          <a:xfrm>
+            <a:off x="2379164" y="5592913"/>
+            <a:ext cx="7853681" cy="558799"/>
+          </a:xfrm>
+          <a:prstGeom prst="rect">
+            <a:avLst/>
+          </a:prstGeom>
+          <a:solidFill>
+            <a:schemeClr val="bg1">
+              <a:lumMod val="95000"/>
+              <a:alpha val="0"/>
+            </a:schemeClr>
+          </a:solidFill>
+          <a:ln>
+            <a:noFill/>
+          </a:ln>
+        </p:spPr>
+        <p:style>
+          <a:lnRef idx="2">
+            <a:schemeClr val="accent1">
+              <a:shade val="50000"/>
+            </a:schemeClr>
+          </a:lnRef>
+          <a:fillRef idx="1">
+            <a:schemeClr val="accent1"/>
+          </a:fillRef>
+          <a:effectRef idx="0">
+            <a:schemeClr val="accent1"/>
+          </a:effectRef>
+          <a:fontRef idx="minor">
+            <a:schemeClr val="lt1"/>
+          </a:fontRef>
+        </p:style>
+        <p:txBody>
+          <a:bodyPr rtlCol="0" anchor="ctr"/>
+          <a:lstStyle/>
+          <a:p>
+            <a:r>
+              <a:rPr lang="en-US" altLang="ko-KR" dirty="0">
+                <a:solidFill>
+                  <a:schemeClr val="bg2">
+                    <a:lumMod val="50000"/>
+                  </a:schemeClr>
+                </a:solidFill>
+                <a:latin typeface="나눔고딕 ExtraBold" panose="020D0904000000000000" pitchFamily="50" charset="-127"/>
+                <a:ea typeface="나눔고딕 ExtraBold" panose="020D0904000000000000" pitchFamily="50" charset="-127"/>
+              </a:rPr>
+              <a:t>https://share.streamlit.io/kuick1kim/01colap/main/streamlit/biup.py</a:t>
+            </a:r>
+            <a:endParaRPr lang="ko-KR" altLang="en-US" dirty="0">
+              <a:solidFill>
+                <a:schemeClr val="bg2">
+                  <a:lumMod val="50000"/>
+                </a:schemeClr>
+              </a:solidFill>
+              <a:latin typeface="나눔고딕 ExtraBold" panose="020D0904000000000000" pitchFamily="50" charset="-127"/>
+              <a:ea typeface="나눔고딕 ExtraBold" panose="020D0904000000000000" pitchFamily="50" charset="-127"/>
+            </a:endParaRPr>
+          </a:p>
+        </p:txBody>
+      </p:sp>
+      <p:pic>
+        <p:nvPicPr>
+          <p:cNvPr id="2" name="그림 1"/>
+          <p:cNvPicPr>
+            <a:picLocks noChangeAspect="1"/>
+          </p:cNvPicPr>
+          <p:nvPr/>
+        </p:nvPicPr>
+        <p:blipFill>
+          <a:blip r:embed="rId3"/>
+          <a:stretch>
+            <a:fillRect/>
+          </a:stretch>
+        </p:blipFill>
+        <p:spPr>
+          <a:xfrm>
+            <a:off x="3623093" y="1702137"/>
+            <a:ext cx="4348073" cy="3123264"/>
+          </a:xfrm>
+          <a:prstGeom prst="rect">
+            <a:avLst/>
+          </a:prstGeom>
+        </p:spPr>
+      </p:pic>
+      <p:sp>
+        <p:nvSpPr>
+          <p:cNvPr id="15" name="직사각형 14"/>
+          <p:cNvSpPr/>
+          <p:nvPr/>
+        </p:nvSpPr>
+        <p:spPr>
+          <a:xfrm>
+            <a:off x="477520" y="406858"/>
+            <a:ext cx="6880812" cy="558799"/>
+          </a:xfrm>
+          <a:prstGeom prst="rect">
+            <a:avLst/>
+          </a:prstGeom>
+          <a:solidFill>
+            <a:schemeClr val="bg1">
+              <a:lumMod val="95000"/>
+              <a:alpha val="0"/>
+            </a:schemeClr>
+          </a:solidFill>
+          <a:ln>
+            <a:noFill/>
+          </a:ln>
+        </p:spPr>
+        <p:style>
+          <a:lnRef idx="2">
+            <a:schemeClr val="accent1">
+              <a:shade val="50000"/>
+            </a:schemeClr>
+          </a:lnRef>
+          <a:fillRef idx="1">
+            <a:schemeClr val="accent1"/>
+          </a:fillRef>
+          <a:effectRef idx="0">
+            <a:schemeClr val="accent1"/>
+          </a:effectRef>
+          <a:fontRef idx="minor">
+            <a:schemeClr val="lt1"/>
+          </a:fontRef>
+        </p:style>
+        <p:txBody>
+          <a:bodyPr rtlCol="0" anchor="ctr"/>
+          <a:lstStyle/>
+          <a:p>
+            <a:r>
+              <a:rPr lang="en-US" altLang="ko-KR" sz="2400" dirty="0" smtClean="0">
+                <a:solidFill>
+                  <a:schemeClr val="bg2">
+                    <a:lumMod val="50000"/>
+                  </a:schemeClr>
+                </a:solidFill>
+                <a:latin typeface="나눔고딕 ExtraBold" panose="020D0904000000000000" pitchFamily="50" charset="-127"/>
+                <a:ea typeface="나눔고딕 ExtraBold" panose="020D0904000000000000" pitchFamily="50" charset="-127"/>
+              </a:rPr>
+              <a:t>* </a:t>
+            </a:r>
+            <a:r>
+              <a:rPr lang="ko-KR" altLang="en-US" sz="2400" dirty="0" smtClean="0">
+                <a:solidFill>
+                  <a:schemeClr val="bg2">
+                    <a:lumMod val="50000"/>
+                  </a:schemeClr>
+                </a:solidFill>
+                <a:latin typeface="나눔고딕 ExtraBold" panose="020D0904000000000000" pitchFamily="50" charset="-127"/>
+                <a:ea typeface="나눔고딕 ExtraBold" panose="020D0904000000000000" pitchFamily="50" charset="-127"/>
+              </a:rPr>
+              <a:t>김민상의 영업전략</a:t>
+            </a:r>
+            <a:endParaRPr lang="ko-KR" altLang="en-US" sz="2400" dirty="0">
+              <a:solidFill>
+                <a:schemeClr val="bg2">
+                  <a:lumMod val="50000"/>
+                </a:schemeClr>
+              </a:solidFill>
+              <a:latin typeface="나눔고딕 ExtraBold" panose="020D0904000000000000" pitchFamily="50" charset="-127"/>
+              <a:ea typeface="나눔고딕 ExtraBold" panose="020D0904000000000000" pitchFamily="50" charset="-127"/>
+            </a:endParaRPr>
+          </a:p>
+        </p:txBody>
+      </p:sp>
+    </p:spTree>
+    <p:extLst>
+      <p:ext uri="{BB962C8B-B14F-4D97-AF65-F5344CB8AC3E}">
+        <p14:creationId xmlns:p14="http://schemas.microsoft.com/office/powerpoint/2010/main" val="3059051455"/>
+      </p:ext>
+    </p:extLst>
+  </p:cSld>
+  <p:clrMapOvr>
+    <a:masterClrMapping/>
+  </p:clrMapOvr>
+  <p:timing>
+    <p:tnLst>
+      <p:par>
+        <p:cTn id="1" dur="indefinite" restart="never" nodeType="tmRoot"/>
+      </p:par>
+    </p:tnLst>
+  </p:timing>
+</p:sld>
+</file>
+
 <file path=ppt/slides/slide2.xml><?xml version="1.0" encoding="utf-8"?>
 <p:sld xmlns:a="http://schemas.openxmlformats.org/drawingml/2006/main" xmlns:r="http://schemas.openxmlformats.org/officeDocument/2006/relationships" xmlns:p="http://schemas.openxmlformats.org/presentationml/2006/main">
   <p:cSld>
